--- a/presentation/1-Fullstackwebdevelopment.pptx
+++ b/presentation/1-Fullstackwebdevelopment.pptx
@@ -6338,6 +6338,12 @@
             <a:r>
               <a:rPr lang="en-US" dirty="0"/>
               <a:t>3. Service Oriented Architecture (SOA)</a:t>
+            </a:r>
+          </a:p>
+          <a:p>
+            <a:r>
+              <a:rPr lang="en-US" dirty="0"/>
+              <a:t>4. Microservices</a:t>
             </a:r>
           </a:p>
         </p:txBody>
